--- a/Java Script Pixel Storm.pptx
+++ b/Java Script Pixel Storm.pptx
@@ -288,6 +288,7 @@
 <file path=ppt/revisionInfo.xml><?xml version="1.0" encoding="utf-8"?>
 <p1510:revInfo xmlns:a="http://schemas.openxmlformats.org/drawingml/2006/main" xmlns:r="http://schemas.openxmlformats.org/officeDocument/2006/relationships" xmlns:p1510="http://schemas.microsoft.com/office/powerpoint/2015/10/main">
   <p1510:revLst>
+    <p1510:client id="{66665D49-07D5-1F8A-4153-D2B248D6C3FD}" v="23" dt="2025-06-09T20:20:24.603"/>
     <p1510:client id="{F5FA52F3-9A5F-25D9-2682-1B5FB2E93327}" v="252" dt="2025-06-09T20:12:22.844"/>
   </p1510:revLst>
 </p1510:revInfo>
@@ -31879,15 +31880,15 @@
           <a:lstStyle/>
           <a:p>
             <a:r>
-              <a:rPr lang="bg-BG" sz="4400" err="1">
+              <a:rPr lang="bg-BG" sz="4400" dirty="0" err="1">
                 <a:solidFill>
                   <a:schemeClr val="bg1"/>
                 </a:solidFill>
               </a:rPr>
-              <a:t>Doni</a:t>
+              <a:t>Todor</a:t>
             </a:r>
             <a:r>
-              <a:rPr lang="bg-BG" sz="4400">
+              <a:rPr lang="bg-BG" sz="4400" dirty="0">
                 <a:solidFill>
                   <a:schemeClr val="bg1"/>
                 </a:solidFill>
@@ -31895,22 +31896,17 @@
               <a:t> </a:t>
             </a:r>
             <a:r>
-              <a:rPr lang="bg-BG" sz="4400" err="1">
+              <a:rPr lang="bg-BG" sz="4400" dirty="0" err="1">
                 <a:solidFill>
                   <a:schemeClr val="bg1"/>
                 </a:solidFill>
               </a:rPr>
-              <a:t>Dimitrov</a:t>
+              <a:t>Toromanov</a:t>
             </a:r>
-            <a:endParaRPr lang="bg-BG" sz="4400">
-              <a:solidFill>
-                <a:schemeClr val="bg1"/>
-              </a:solidFill>
-            </a:endParaRPr>
           </a:p>
           <a:p>
             <a:r>
-              <a:rPr lang="bg-BG" sz="4400" err="1">
+              <a:rPr lang="bg-BG" sz="4400" dirty="0" err="1">
                 <a:solidFill>
                   <a:schemeClr val="bg1"/>
                 </a:solidFill>
@@ -31918,7 +31914,7 @@
               <a:t>Backend</a:t>
             </a:r>
             <a:r>
-              <a:rPr lang="bg-BG" sz="4400">
+              <a:rPr lang="bg-BG" sz="4400" dirty="0">
                 <a:solidFill>
                   <a:schemeClr val="bg1"/>
                 </a:solidFill>
@@ -31926,14 +31922,14 @@
               <a:t> </a:t>
             </a:r>
             <a:r>
-              <a:rPr lang="bg-BG" sz="4400" err="1">
+              <a:rPr lang="bg-BG" sz="4400" dirty="0" err="1">
                 <a:solidFill>
                   <a:schemeClr val="bg1"/>
                 </a:solidFill>
               </a:rPr>
               <a:t>developer</a:t>
             </a:r>
-            <a:endParaRPr lang="bg-BG" sz="4400">
+            <a:endParaRPr lang="bg-BG" sz="4400" dirty="0">
               <a:solidFill>
                 <a:schemeClr val="bg1"/>
               </a:solidFill>
